--- a/Spring Boot Security.pptx
+++ b/Spring Boot Security.pptx
@@ -222,7 +222,7 @@
           <a:p>
             <a:fld id="{49BBFFC5-6FDA-4A63-86FE-59884789E5D6}" type="datetimeFigureOut">
               <a:rPr lang="zh-TW" altLang="en-US" smtClean="0"/>
-              <a:t>2022/11/10</a:t>
+              <a:t>2022/11/11</a:t>
             </a:fld>
             <a:endParaRPr lang="zh-TW" altLang="en-US"/>
           </a:p>
@@ -1379,7 +1379,7 @@
           <a:p>
             <a:fld id="{E8ADFC28-1B48-4D67-B9B8-EE661800BF2F}" type="datetimeFigureOut">
               <a:rPr lang="zh-TW" altLang="en-US" smtClean="0"/>
-              <a:t>2022/11/10</a:t>
+              <a:t>2022/11/11</a:t>
             </a:fld>
             <a:endParaRPr lang="zh-TW" altLang="en-US"/>
           </a:p>
@@ -1630,7 +1630,7 @@
           <a:p>
             <a:fld id="{E8ADFC28-1B48-4D67-B9B8-EE661800BF2F}" type="datetimeFigureOut">
               <a:rPr lang="zh-TW" altLang="en-US" smtClean="0"/>
-              <a:t>2022/11/10</a:t>
+              <a:t>2022/11/11</a:t>
             </a:fld>
             <a:endParaRPr lang="zh-TW" altLang="en-US"/>
           </a:p>
@@ -1944,7 +1944,7 @@
           <a:p>
             <a:fld id="{E8ADFC28-1B48-4D67-B9B8-EE661800BF2F}" type="datetimeFigureOut">
               <a:rPr lang="zh-TW" altLang="en-US" smtClean="0"/>
-              <a:t>2022/11/10</a:t>
+              <a:t>2022/11/11</a:t>
             </a:fld>
             <a:endParaRPr lang="zh-TW" altLang="en-US"/>
           </a:p>
@@ -2285,7 +2285,7 @@
           <a:p>
             <a:fld id="{E8ADFC28-1B48-4D67-B9B8-EE661800BF2F}" type="datetimeFigureOut">
               <a:rPr lang="zh-TW" altLang="en-US" smtClean="0"/>
-              <a:t>2022/11/10</a:t>
+              <a:t>2022/11/11</a:t>
             </a:fld>
             <a:endParaRPr lang="zh-TW" altLang="en-US"/>
           </a:p>
@@ -2599,7 +2599,7 @@
           <a:p>
             <a:fld id="{E8ADFC28-1B48-4D67-B9B8-EE661800BF2F}" type="datetimeFigureOut">
               <a:rPr lang="zh-TW" altLang="en-US" smtClean="0"/>
-              <a:t>2022/11/10</a:t>
+              <a:t>2022/11/11</a:t>
             </a:fld>
             <a:endParaRPr lang="zh-TW" altLang="en-US"/>
           </a:p>
@@ -2992,7 +2992,7 @@
           <a:p>
             <a:fld id="{E8ADFC28-1B48-4D67-B9B8-EE661800BF2F}" type="datetimeFigureOut">
               <a:rPr lang="zh-TW" altLang="en-US" smtClean="0"/>
-              <a:t>2022/11/10</a:t>
+              <a:t>2022/11/11</a:t>
             </a:fld>
             <a:endParaRPr lang="zh-TW" altLang="en-US"/>
           </a:p>
@@ -3162,7 +3162,7 @@
           <a:p>
             <a:fld id="{E8ADFC28-1B48-4D67-B9B8-EE661800BF2F}" type="datetimeFigureOut">
               <a:rPr lang="zh-TW" altLang="en-US" smtClean="0"/>
-              <a:t>2022/11/10</a:t>
+              <a:t>2022/11/11</a:t>
             </a:fld>
             <a:endParaRPr lang="zh-TW" altLang="en-US"/>
           </a:p>
@@ -3342,7 +3342,7 @@
           <a:p>
             <a:fld id="{E8ADFC28-1B48-4D67-B9B8-EE661800BF2F}" type="datetimeFigureOut">
               <a:rPr lang="zh-TW" altLang="en-US" smtClean="0"/>
-              <a:t>2022/11/10</a:t>
+              <a:t>2022/11/11</a:t>
             </a:fld>
             <a:endParaRPr lang="zh-TW" altLang="en-US"/>
           </a:p>
@@ -3518,7 +3518,7 @@
           <a:p>
             <a:fld id="{E8ADFC28-1B48-4D67-B9B8-EE661800BF2F}" type="datetimeFigureOut">
               <a:rPr lang="zh-TW" altLang="en-US" smtClean="0"/>
-              <a:t>2022/11/10</a:t>
+              <a:t>2022/11/11</a:t>
             </a:fld>
             <a:endParaRPr lang="zh-TW" altLang="en-US"/>
           </a:p>
@@ -3765,7 +3765,7 @@
           <a:p>
             <a:fld id="{E8ADFC28-1B48-4D67-B9B8-EE661800BF2F}" type="datetimeFigureOut">
               <a:rPr lang="zh-TW" altLang="en-US" smtClean="0"/>
-              <a:t>2022/11/10</a:t>
+              <a:t>2022/11/11</a:t>
             </a:fld>
             <a:endParaRPr lang="zh-TW" altLang="en-US"/>
           </a:p>
@@ -3997,7 +3997,7 @@
           <a:p>
             <a:fld id="{E8ADFC28-1B48-4D67-B9B8-EE661800BF2F}" type="datetimeFigureOut">
               <a:rPr lang="zh-TW" altLang="en-US" smtClean="0"/>
-              <a:t>2022/11/10</a:t>
+              <a:t>2022/11/11</a:t>
             </a:fld>
             <a:endParaRPr lang="zh-TW" altLang="en-US"/>
           </a:p>
@@ -4371,7 +4371,7 @@
           <a:p>
             <a:fld id="{E8ADFC28-1B48-4D67-B9B8-EE661800BF2F}" type="datetimeFigureOut">
               <a:rPr lang="zh-TW" altLang="en-US" smtClean="0"/>
-              <a:t>2022/11/10</a:t>
+              <a:t>2022/11/11</a:t>
             </a:fld>
             <a:endParaRPr lang="zh-TW" altLang="en-US"/>
           </a:p>
@@ -4494,7 +4494,7 @@
           <a:p>
             <a:fld id="{E8ADFC28-1B48-4D67-B9B8-EE661800BF2F}" type="datetimeFigureOut">
               <a:rPr lang="zh-TW" altLang="en-US" smtClean="0"/>
-              <a:t>2022/11/10</a:t>
+              <a:t>2022/11/11</a:t>
             </a:fld>
             <a:endParaRPr lang="zh-TW" altLang="en-US"/>
           </a:p>
@@ -4589,7 +4589,7 @@
           <a:p>
             <a:fld id="{E8ADFC28-1B48-4D67-B9B8-EE661800BF2F}" type="datetimeFigureOut">
               <a:rPr lang="zh-TW" altLang="en-US" smtClean="0"/>
-              <a:t>2022/11/10</a:t>
+              <a:t>2022/11/11</a:t>
             </a:fld>
             <a:endParaRPr lang="zh-TW" altLang="en-US"/>
           </a:p>
@@ -4844,7 +4844,7 @@
           <a:p>
             <a:fld id="{E8ADFC28-1B48-4D67-B9B8-EE661800BF2F}" type="datetimeFigureOut">
               <a:rPr lang="zh-TW" altLang="en-US" smtClean="0"/>
-              <a:t>2022/11/10</a:t>
+              <a:t>2022/11/11</a:t>
             </a:fld>
             <a:endParaRPr lang="zh-TW" altLang="en-US"/>
           </a:p>
@@ -5107,7 +5107,7 @@
           <a:p>
             <a:fld id="{E8ADFC28-1B48-4D67-B9B8-EE661800BF2F}" type="datetimeFigureOut">
               <a:rPr lang="zh-TW" altLang="en-US" smtClean="0"/>
-              <a:t>2022/11/10</a:t>
+              <a:t>2022/11/11</a:t>
             </a:fld>
             <a:endParaRPr lang="zh-TW" altLang="en-US"/>
           </a:p>
@@ -5850,7 +5850,7 @@
           <a:p>
             <a:fld id="{E8ADFC28-1B48-4D67-B9B8-EE661800BF2F}" type="datetimeFigureOut">
               <a:rPr lang="zh-TW" altLang="en-US" smtClean="0"/>
-              <a:t>2022/11/10</a:t>
+              <a:t>2022/11/11</a:t>
             </a:fld>
             <a:endParaRPr lang="zh-TW" altLang="en-US"/>
           </a:p>
@@ -6536,8 +6536,8 @@
         </p:blipFill>
         <p:spPr>
           <a:xfrm>
-            <a:off x="1885841" y="2520019"/>
-            <a:ext cx="6180356" cy="3162574"/>
+            <a:off x="1164818" y="1930400"/>
+            <a:ext cx="7621699" cy="3900129"/>
           </a:xfrm>
         </p:spPr>
       </p:pic>
@@ -6831,7 +6831,7 @@
         <p:spPr/>
         <p:txBody>
           <a:bodyPr>
-            <a:normAutofit/>
+            <a:normAutofit lnSpcReduction="10000"/>
           </a:bodyPr>
           <a:lstStyle/>
           <a:p>
@@ -6875,6 +6875,9 @@
             <a:endParaRPr lang="en-US" altLang="zh-TW" dirty="0"/>
           </a:p>
           <a:p>
+            <a:endParaRPr lang="en-US" altLang="zh-TW" dirty="0"/>
+          </a:p>
+          <a:p>
             <a:r>
               <a:rPr lang="zh-TW" altLang="en-US" dirty="0"/>
               <a:t>角色驗證 </a:t>
@@ -6883,6 +6886,9 @@
               <a:rPr lang="en-US" altLang="zh-TW" dirty="0"/>
               <a:t>(sec:hasRole / sec:hasAnyRole)</a:t>
             </a:r>
+          </a:p>
+          <a:p>
+            <a:endParaRPr lang="en-US" altLang="zh-TW" dirty="0"/>
           </a:p>
           <a:p>
             <a:endParaRPr lang="en-US" altLang="zh-TW" dirty="0"/>
@@ -6930,8 +6936,8 @@
         </p:blipFill>
         <p:spPr>
           <a:xfrm>
-            <a:off x="1645721" y="2587692"/>
-            <a:ext cx="7628281" cy="1158340"/>
+            <a:off x="1085282" y="2556581"/>
+            <a:ext cx="8698159" cy="1320799"/>
           </a:xfrm>
           <a:prstGeom prst="rect">
             <a:avLst/>
@@ -6960,8 +6966,8 @@
         </p:blipFill>
         <p:spPr>
           <a:xfrm>
-            <a:off x="1645721" y="4261181"/>
-            <a:ext cx="5349704" cy="632515"/>
+            <a:off x="1085281" y="4481128"/>
+            <a:ext cx="6506591" cy="769298"/>
           </a:xfrm>
           <a:prstGeom prst="rect">
             <a:avLst/>
@@ -6990,8 +6996,8 @@
         </p:blipFill>
         <p:spPr>
           <a:xfrm>
-            <a:off x="1645721" y="5453043"/>
-            <a:ext cx="4656223" cy="563929"/>
+            <a:off x="1085281" y="5915954"/>
+            <a:ext cx="6020462" cy="729156"/>
           </a:xfrm>
           <a:prstGeom prst="rect">
             <a:avLst/>
@@ -7235,8 +7241,8 @@
         </p:blipFill>
         <p:spPr>
           <a:xfrm>
-            <a:off x="1199166" y="5712452"/>
-            <a:ext cx="4846740" cy="1066892"/>
+            <a:off x="1199166" y="5662428"/>
+            <a:ext cx="5073992" cy="1116916"/>
           </a:xfrm>
           <a:prstGeom prst="rect">
             <a:avLst/>
@@ -7319,7 +7325,12 @@
             <p:ph type="title"/>
           </p:nvPr>
         </p:nvSpPr>
-        <p:spPr/>
+        <p:spPr>
+          <a:xfrm>
+            <a:off x="677334" y="573229"/>
+            <a:ext cx="8596668" cy="1320800"/>
+          </a:xfrm>
+        </p:spPr>
         <p:txBody>
           <a:bodyPr/>
           <a:lstStyle/>
@@ -7377,10 +7388,10 @@
       </p:sp>
       <p:pic>
         <p:nvPicPr>
-          <p:cNvPr id="7" name="圖片 6">
+          <p:cNvPr id="5" name="圖片 4">
             <a:extLst>
               <a:ext uri="{FF2B5EF4-FFF2-40B4-BE49-F238E27FC236}">
-                <a16:creationId xmlns:a16="http://schemas.microsoft.com/office/drawing/2014/main" id="{CA456939-3F61-12A6-8090-BA1645C334B5}"/>
+                <a16:creationId xmlns:a16="http://schemas.microsoft.com/office/drawing/2014/main" id="{2F861713-EDA4-4052-938D-16B1E7CB183E}"/>
               </a:ext>
             </a:extLst>
           </p:cNvPr>
@@ -7397,8 +7408,8 @@
         </p:blipFill>
         <p:spPr>
           <a:xfrm>
-            <a:off x="2203012" y="2717960"/>
-            <a:ext cx="3459780" cy="1028789"/>
+            <a:off x="1087572" y="2938080"/>
+            <a:ext cx="8522930" cy="1545429"/>
           </a:xfrm>
           <a:prstGeom prst="rect">
             <a:avLst/>
@@ -7562,10 +7573,9 @@
               <a:t>切入點</a:t>
             </a:r>
             <a:r>
-              <a:rPr lang="en-US" altLang="zh-TW"/>
+              <a:rPr lang="en-US" altLang="zh-TW" dirty="0"/>
               <a:t>(@Pointcut)</a:t>
             </a:r>
-            <a:endParaRPr lang="en-US" altLang="zh-TW" dirty="0"/>
           </a:p>
           <a:p>
             <a:pPr lvl="2"/>
@@ -7727,8 +7737,8 @@
         </p:blipFill>
         <p:spPr>
           <a:xfrm>
-            <a:off x="1584540" y="2615588"/>
-            <a:ext cx="4008467" cy="899238"/>
+            <a:off x="1338734" y="2536930"/>
+            <a:ext cx="4907873" cy="1101006"/>
           </a:xfrm>
           <a:prstGeom prst="rect">
             <a:avLst/>
@@ -8005,8 +8015,8 @@
         </p:blipFill>
         <p:spPr>
           <a:xfrm>
-            <a:off x="1895034" y="2160588"/>
-            <a:ext cx="6161970" cy="3881437"/>
+            <a:off x="1895034" y="1738002"/>
+            <a:ext cx="7160476" cy="4510398"/>
           </a:xfrm>
         </p:spPr>
       </p:pic>
@@ -8024,7 +8034,7 @@
         </p:nvSpPr>
         <p:spPr>
           <a:xfrm>
-            <a:off x="992223" y="2900513"/>
+            <a:off x="1094815" y="2459357"/>
             <a:ext cx="800219" cy="338554"/>
           </a:xfrm>
           <a:prstGeom prst="rect">
@@ -8063,7 +8073,7 @@
         </p:nvSpPr>
         <p:spPr>
           <a:xfrm>
-            <a:off x="889631" y="4169854"/>
+            <a:off x="889631" y="3920123"/>
             <a:ext cx="1005403" cy="338554"/>
           </a:xfrm>
           <a:prstGeom prst="rect">
@@ -8102,7 +8112,7 @@
         </p:nvSpPr>
         <p:spPr>
           <a:xfrm>
-            <a:off x="3647767" y="3275111"/>
+            <a:off x="3942734" y="3076323"/>
             <a:ext cx="1082348" cy="307777"/>
           </a:xfrm>
           <a:prstGeom prst="rect">
@@ -8144,7 +8154,7 @@
         </p:nvCxnSpPr>
         <p:spPr>
           <a:xfrm flipH="1">
-            <a:off x="3510116" y="3429000"/>
+            <a:off x="3805083" y="3230212"/>
             <a:ext cx="137651" cy="228600"/>
           </a:xfrm>
           <a:prstGeom prst="straightConnector1">
@@ -8186,7 +8196,7 @@
         </p:nvSpPr>
         <p:spPr>
           <a:xfrm>
-            <a:off x="4730115" y="2372716"/>
+            <a:off x="4553134" y="2081284"/>
             <a:ext cx="1082348" cy="307777"/>
           </a:xfrm>
           <a:prstGeom prst="rect">
@@ -8233,7 +8243,7 @@
         </p:nvCxnSpPr>
         <p:spPr>
           <a:xfrm flipH="1">
-            <a:off x="4592464" y="2526605"/>
+            <a:off x="4415483" y="2235173"/>
             <a:ext cx="137651" cy="228600"/>
           </a:xfrm>
           <a:prstGeom prst="straightConnector1">
@@ -8770,7 +8780,7 @@
         </p:blipFill>
         <p:spPr>
           <a:xfrm>
-            <a:off x="4372952" y="1683057"/>
+            <a:off x="3802681" y="1653560"/>
             <a:ext cx="4342857" cy="1323810"/>
           </a:xfrm>
           <a:prstGeom prst="rect">
@@ -8800,7 +8810,7 @@
         </p:blipFill>
         <p:spPr>
           <a:xfrm>
-            <a:off x="4372952" y="3121961"/>
+            <a:off x="3802681" y="3092464"/>
             <a:ext cx="7819048" cy="3504762"/>
           </a:xfrm>
           <a:prstGeom prst="rect">
@@ -9041,8 +9051,8 @@
         </p:blipFill>
         <p:spPr>
           <a:xfrm>
-            <a:off x="6453163" y="1602003"/>
-            <a:ext cx="4146011" cy="1455091"/>
+            <a:off x="5726635" y="1347019"/>
+            <a:ext cx="4872540" cy="1710075"/>
           </a:xfrm>
           <a:prstGeom prst="rect">
             <a:avLst/>
@@ -9126,7 +9136,7 @@
         <p:spPr>
           <a:xfrm>
             <a:off x="3519948" y="2418735"/>
-            <a:ext cx="3234813" cy="383459"/>
+            <a:ext cx="2644878" cy="334297"/>
           </a:xfrm>
           <a:prstGeom prst="straightConnector1">
             <a:avLst/>
@@ -9325,6 +9335,10 @@
           </a:p>
           <a:p>
             <a:pPr lvl="2"/>
+            <a:endParaRPr lang="en-US" altLang="zh-TW" dirty="0"/>
+          </a:p>
+          <a:p>
+            <a:pPr lvl="2"/>
             <a:r>
               <a:rPr lang="en-US" altLang="zh-TW" dirty="0"/>
               <a:t>JSP</a:t>
@@ -9356,7 +9370,7 @@
         <p:spPr>
           <a:xfrm>
             <a:off x="2107837" y="3632448"/>
-            <a:ext cx="5349704" cy="632515"/>
+            <a:ext cx="6323158" cy="747610"/>
           </a:xfrm>
           <a:prstGeom prst="rect">
             <a:avLst/>
@@ -9385,8 +9399,8 @@
         </p:blipFill>
         <p:spPr>
           <a:xfrm>
-            <a:off x="2107837" y="4610247"/>
-            <a:ext cx="4267570" cy="1661304"/>
+            <a:off x="2107836" y="4905213"/>
+            <a:ext cx="4574329" cy="1780721"/>
           </a:xfrm>
           <a:prstGeom prst="rect">
             <a:avLst/>
@@ -9549,92 +9563,72 @@
           </a:p>
         </p:txBody>
       </p:sp>
-      <p:grpSp>
-        <p:nvGrpSpPr>
-          <p:cNvPr id="10" name="群組 9">
-            <a:extLst>
-              <a:ext uri="{FF2B5EF4-FFF2-40B4-BE49-F238E27FC236}">
-                <a16:creationId xmlns:a16="http://schemas.microsoft.com/office/drawing/2014/main" id="{87B6D8F9-9F7C-6D83-0295-7221C9B74EC1}"/>
-              </a:ext>
-            </a:extLst>
-          </p:cNvPr>
-          <p:cNvGrpSpPr/>
-          <p:nvPr/>
-        </p:nvGrpSpPr>
-        <p:grpSpPr>
-          <a:xfrm>
-            <a:off x="5279955" y="2622733"/>
-            <a:ext cx="3718483" cy="4076434"/>
-            <a:chOff x="3596717" y="-684022"/>
-            <a:chExt cx="6729043" cy="7376799"/>
-          </a:xfrm>
-        </p:grpSpPr>
-        <p:pic>
-          <p:nvPicPr>
-            <p:cNvPr id="7" name="圖片 6">
-              <a:extLst>
-                <a:ext uri="{FF2B5EF4-FFF2-40B4-BE49-F238E27FC236}">
-                  <a16:creationId xmlns:a16="http://schemas.microsoft.com/office/drawing/2014/main" id="{56383E52-463E-DA96-C493-873E21B7DCB0}"/>
-                </a:ext>
-              </a:extLst>
-            </p:cNvPr>
-            <p:cNvPicPr>
-              <a:picLocks noChangeAspect="1"/>
-            </p:cNvPicPr>
-            <p:nvPr/>
-          </p:nvPicPr>
-          <p:blipFill>
-            <a:blip r:embed="rId3"/>
-            <a:stretch>
-              <a:fillRect/>
-            </a:stretch>
-          </p:blipFill>
-          <p:spPr>
-            <a:xfrm>
-              <a:off x="3596717" y="4825715"/>
-              <a:ext cx="6729043" cy="1867062"/>
-            </a:xfrm>
-            <a:prstGeom prst="rect">
-              <a:avLst/>
-            </a:prstGeom>
-          </p:spPr>
-        </p:pic>
-        <p:pic>
-          <p:nvPicPr>
-            <p:cNvPr id="9" name="圖片 8">
-              <a:extLst>
-                <a:ext uri="{FF2B5EF4-FFF2-40B4-BE49-F238E27FC236}">
-                  <a16:creationId xmlns:a16="http://schemas.microsoft.com/office/drawing/2014/main" id="{CA10C6EC-2259-86C8-AD53-7728E0F64BDC}"/>
-                </a:ext>
-              </a:extLst>
-            </p:cNvPr>
-            <p:cNvPicPr>
-              <a:picLocks noChangeAspect="1"/>
-            </p:cNvPicPr>
-            <p:nvPr/>
-          </p:nvPicPr>
-          <p:blipFill rotWithShape="1">
-            <a:blip r:embed="rId4"/>
-            <a:srcRect r="898"/>
-            <a:stretch/>
-          </p:blipFill>
-          <p:spPr>
-            <a:xfrm>
-              <a:off x="3596717" y="-684022"/>
-              <a:ext cx="6729043" cy="5509737"/>
-            </a:xfrm>
-            <a:prstGeom prst="rect">
-              <a:avLst/>
-            </a:prstGeom>
-          </p:spPr>
-        </p:pic>
-      </p:grpSp>
       <p:pic>
         <p:nvPicPr>
           <p:cNvPr id="12" name="圖片 11">
             <a:extLst>
               <a:ext uri="{FF2B5EF4-FFF2-40B4-BE49-F238E27FC236}">
                 <a16:creationId xmlns:a16="http://schemas.microsoft.com/office/drawing/2014/main" id="{150D4F02-9AD9-ED26-729F-126549F5B422}"/>
+              </a:ext>
+            </a:extLst>
+          </p:cNvPr>
+          <p:cNvPicPr>
+            <a:picLocks noChangeAspect="1"/>
+          </p:cNvPicPr>
+          <p:nvPr/>
+        </p:nvPicPr>
+        <p:blipFill>
+          <a:blip r:embed="rId3"/>
+          <a:stretch>
+            <a:fillRect/>
+          </a:stretch>
+        </p:blipFill>
+        <p:spPr>
+          <a:xfrm>
+            <a:off x="3407871" y="2615793"/>
+            <a:ext cx="4837229" cy="946971"/>
+          </a:xfrm>
+          <a:prstGeom prst="rect">
+            <a:avLst/>
+          </a:prstGeom>
+        </p:spPr>
+      </p:pic>
+      <p:pic>
+        <p:nvPicPr>
+          <p:cNvPr id="5" name="圖片 4">
+            <a:extLst>
+              <a:ext uri="{FF2B5EF4-FFF2-40B4-BE49-F238E27FC236}">
+                <a16:creationId xmlns:a16="http://schemas.microsoft.com/office/drawing/2014/main" id="{AD33E66F-9884-9816-8374-3DE6824DFAB0}"/>
+              </a:ext>
+            </a:extLst>
+          </p:cNvPr>
+          <p:cNvPicPr>
+            <a:picLocks noChangeAspect="1"/>
+          </p:cNvPicPr>
+          <p:nvPr/>
+        </p:nvPicPr>
+        <p:blipFill>
+          <a:blip r:embed="rId4"/>
+          <a:stretch>
+            <a:fillRect/>
+          </a:stretch>
+        </p:blipFill>
+        <p:spPr>
+          <a:xfrm>
+            <a:off x="330880" y="3677859"/>
+            <a:ext cx="5432866" cy="3101913"/>
+          </a:xfrm>
+          <a:prstGeom prst="rect">
+            <a:avLst/>
+          </a:prstGeom>
+        </p:spPr>
+      </p:pic>
+      <p:pic>
+        <p:nvPicPr>
+          <p:cNvPr id="8" name="圖片 7">
+            <a:extLst>
+              <a:ext uri="{FF2B5EF4-FFF2-40B4-BE49-F238E27FC236}">
+                <a16:creationId xmlns:a16="http://schemas.microsoft.com/office/drawing/2014/main" id="{D68CF5EC-340B-A013-9D86-D086DEF1B022}"/>
               </a:ext>
             </a:extLst>
           </p:cNvPr>
@@ -9651,8 +9645,8 @@
         </p:blipFill>
         <p:spPr>
           <a:xfrm>
-            <a:off x="934307" y="2622733"/>
-            <a:ext cx="4118498" cy="806267"/>
+            <a:off x="5826486" y="3689343"/>
+            <a:ext cx="5688180" cy="3090429"/>
           </a:xfrm>
           <a:prstGeom prst="rect">
             <a:avLst/>
@@ -10883,7 +10877,7 @@
                 </a:solidFill>
                 <a:latin typeface="Lato" panose="020F0502020204030203" pitchFamily="34" charset="0"/>
               </a:rPr>
-              <a:t>實做 </a:t>
+              <a:t>實作 </a:t>
             </a:r>
             <a:r>
               <a:rPr lang="en-US" altLang="zh-TW" dirty="0">
@@ -10901,7 +10895,7 @@
                 </a:solidFill>
                 <a:latin typeface="Lato" panose="020F0502020204030203" pitchFamily="34" charset="0"/>
               </a:rPr>
-              <a:t> 調整驗證功能</a:t>
+              <a:t> 用戶查詢、密碼比對功能</a:t>
             </a:r>
             <a:endParaRPr lang="en-US" altLang="zh-TW" b="0" i="0" dirty="0">
               <a:solidFill>
@@ -11032,8 +11026,8 @@
         </p:blipFill>
         <p:spPr>
           <a:xfrm>
-            <a:off x="2788538" y="2335435"/>
-            <a:ext cx="4374259" cy="2187130"/>
+            <a:off x="2255137" y="2068734"/>
+            <a:ext cx="5441062" cy="2720532"/>
           </a:xfrm>
         </p:spPr>
       </p:pic>
@@ -11101,10 +11095,10 @@
       </p:sp>
       <p:pic>
         <p:nvPicPr>
-          <p:cNvPr id="6" name="內容版面配置區 5">
+          <p:cNvPr id="26" name="內容版面配置區 25">
             <a:extLst>
               <a:ext uri="{FF2B5EF4-FFF2-40B4-BE49-F238E27FC236}">
-                <a16:creationId xmlns:a16="http://schemas.microsoft.com/office/drawing/2014/main" id="{0058D68C-BEA6-FE15-54A6-6702456D78A9}"/>
+                <a16:creationId xmlns:a16="http://schemas.microsoft.com/office/drawing/2014/main" id="{6ECCF30F-FB66-78C1-33BA-46D1A2B7FF1A}"/>
               </a:ext>
             </a:extLst>
           </p:cNvPr>
@@ -11123,9 +11117,69 @@
         </p:blipFill>
         <p:spPr>
           <a:xfrm>
-            <a:off x="2254377" y="1596386"/>
-            <a:ext cx="5522939" cy="4652014"/>
+            <a:off x="415649" y="1930400"/>
+            <a:ext cx="6345895" cy="2108984"/>
           </a:xfrm>
+        </p:spPr>
+      </p:pic>
+      <p:pic>
+        <p:nvPicPr>
+          <p:cNvPr id="30" name="圖片 29">
+            <a:extLst>
+              <a:ext uri="{FF2B5EF4-FFF2-40B4-BE49-F238E27FC236}">
+                <a16:creationId xmlns:a16="http://schemas.microsoft.com/office/drawing/2014/main" id="{CC4DBF74-99FB-F4CB-AE1A-07C2F79C74A4}"/>
+              </a:ext>
+            </a:extLst>
+          </p:cNvPr>
+          <p:cNvPicPr>
+            <a:picLocks noChangeAspect="1"/>
+          </p:cNvPicPr>
+          <p:nvPr/>
+        </p:nvPicPr>
+        <p:blipFill>
+          <a:blip r:embed="rId3"/>
+          <a:stretch>
+            <a:fillRect/>
+          </a:stretch>
+        </p:blipFill>
+        <p:spPr>
+          <a:xfrm>
+            <a:off x="415649" y="4039384"/>
+            <a:ext cx="6345895" cy="2035822"/>
+          </a:xfrm>
+          <a:prstGeom prst="rect">
+            <a:avLst/>
+          </a:prstGeom>
+        </p:spPr>
+      </p:pic>
+      <p:pic>
+        <p:nvPicPr>
+          <p:cNvPr id="32" name="圖片 31">
+            <a:extLst>
+              <a:ext uri="{FF2B5EF4-FFF2-40B4-BE49-F238E27FC236}">
+                <a16:creationId xmlns:a16="http://schemas.microsoft.com/office/drawing/2014/main" id="{132896D0-1F12-46B7-C82F-AE3EB2E2CA97}"/>
+              </a:ext>
+            </a:extLst>
+          </p:cNvPr>
+          <p:cNvPicPr>
+            <a:picLocks noChangeAspect="1"/>
+          </p:cNvPicPr>
+          <p:nvPr/>
+        </p:nvPicPr>
+        <p:blipFill>
+          <a:blip r:embed="rId4"/>
+          <a:stretch>
+            <a:fillRect/>
+          </a:stretch>
+        </p:blipFill>
+        <p:spPr>
+          <a:xfrm>
+            <a:off x="6920522" y="3099205"/>
+            <a:ext cx="4706959" cy="1880358"/>
+          </a:xfrm>
+          <a:prstGeom prst="rect">
+            <a:avLst/>
+          </a:prstGeom>
         </p:spPr>
       </p:pic>
     </p:spTree>
@@ -11180,6 +11234,16 @@
           <a:lstStyle/>
           <a:p>
             <a:r>
+              <a:rPr lang="zh-TW" altLang="en-US" sz="2800" b="0" dirty="0">
+                <a:solidFill>
+                  <a:srgbClr val="6A9955"/>
+                </a:solidFill>
+                <a:effectLst/>
+                <a:latin typeface="Consolas" panose="020B0609020204030204" pitchFamily="49" charset="0"/>
+              </a:rPr>
+              <a:t>實作</a:t>
+            </a:r>
+            <a:r>
               <a:rPr lang="zh-TW" altLang="en-US" b="0" dirty="0">
                 <a:solidFill>
                   <a:srgbClr val="6A9955"/>
@@ -11187,7 +11251,26 @@
                 <a:effectLst/>
                 <a:latin typeface="Consolas" panose="020B0609020204030204" pitchFamily="49" charset="0"/>
               </a:rPr>
-              <a:t>實作驗證功能</a:t>
+              <a:t> </a:t>
+            </a:r>
+            <a:r>
+              <a:rPr lang="zh-TW" altLang="en-US" dirty="0">
+                <a:solidFill>
+                  <a:srgbClr val="6A9955"/>
+                </a:solidFill>
+                <a:latin typeface="Consolas" panose="020B0609020204030204" pitchFamily="49" charset="0"/>
+              </a:rPr>
+              <a:t>用戶查詢、密碼比對 </a:t>
+            </a:r>
+            <a:r>
+              <a:rPr lang="zh-TW" altLang="en-US" sz="2800" b="0" dirty="0">
+                <a:solidFill>
+                  <a:srgbClr val="6A9955"/>
+                </a:solidFill>
+                <a:effectLst/>
+                <a:latin typeface="Consolas" panose="020B0609020204030204" pitchFamily="49" charset="0"/>
+              </a:rPr>
+              <a:t>功能</a:t>
             </a:r>
             <a:br>
               <a:rPr lang="zh-TW" altLang="en-US" b="0" dirty="0">
@@ -11226,8 +11309,8 @@
         </p:blipFill>
         <p:spPr>
           <a:xfrm>
-            <a:off x="1472907" y="2140924"/>
-            <a:ext cx="7188634" cy="4309038"/>
+            <a:off x="1004085" y="1560820"/>
+            <a:ext cx="7943165" cy="4761322"/>
           </a:xfrm>
         </p:spPr>
       </p:pic>
@@ -11365,8 +11448,8 @@
         </p:blipFill>
         <p:spPr>
           <a:xfrm>
-            <a:off x="676275" y="3429026"/>
-            <a:ext cx="4184650" cy="1920823"/>
+            <a:off x="387466" y="3145849"/>
+            <a:ext cx="4762179" cy="2185918"/>
           </a:xfrm>
         </p:spPr>
       </p:pic>
@@ -11386,7 +11469,12 @@
             <p:ph type="body" sz="quarter" idx="3"/>
           </p:nvPr>
         </p:nvSpPr>
-        <p:spPr/>
+        <p:spPr>
+          <a:xfrm>
+            <a:off x="5573766" y="2160983"/>
+            <a:ext cx="4185618" cy="576262"/>
+          </a:xfrm>
+        </p:spPr>
         <p:txBody>
           <a:bodyPr/>
           <a:lstStyle/>
@@ -11438,8 +11526,8 @@
         </p:blipFill>
         <p:spPr>
           <a:xfrm>
-            <a:off x="5087938" y="3145849"/>
-            <a:ext cx="4186237" cy="2487177"/>
+            <a:off x="5284582" y="3145849"/>
+            <a:ext cx="4763985" cy="2830436"/>
           </a:xfrm>
         </p:spPr>
       </p:pic>
